--- a/修論/本文0117/figure/fig_3_1_10QW_broadcontact_j0.pptx
+++ b/修論/本文0117/figure/fig_3_1_10QW_broadcontact_j0.pptx
@@ -270,7 +270,7 @@
           <a:p>
             <a:fld id="{1AD62548-1627-7B4E-A2EB-583A3232CEA4}" type="datetimeFigureOut">
               <a:rPr kumimoji="1" lang="ja-JP" altLang="en-US" smtClean="0"/>
-              <a:t>2019/1/1</a:t>
+              <a:t>2019/1/31</a:t>
             </a:fld>
             <a:endParaRPr kumimoji="1" lang="ja-JP" altLang="en-US"/>
           </a:p>
@@ -475,7 +475,7 @@
           <a:p>
             <a:fld id="{1AD62548-1627-7B4E-A2EB-583A3232CEA4}" type="datetimeFigureOut">
               <a:rPr kumimoji="1" lang="ja-JP" altLang="en-US" smtClean="0"/>
-              <a:t>2019/1/1</a:t>
+              <a:t>2019/1/31</a:t>
             </a:fld>
             <a:endParaRPr kumimoji="1" lang="ja-JP" altLang="en-US"/>
           </a:p>
@@ -690,7 +690,7 @@
           <a:p>
             <a:fld id="{1AD62548-1627-7B4E-A2EB-583A3232CEA4}" type="datetimeFigureOut">
               <a:rPr kumimoji="1" lang="ja-JP" altLang="en-US" smtClean="0"/>
-              <a:t>2019/1/1</a:t>
+              <a:t>2019/1/31</a:t>
             </a:fld>
             <a:endParaRPr kumimoji="1" lang="ja-JP" altLang="en-US"/>
           </a:p>
@@ -895,7 +895,7 @@
           <a:p>
             <a:fld id="{1AD62548-1627-7B4E-A2EB-583A3232CEA4}" type="datetimeFigureOut">
               <a:rPr kumimoji="1" lang="ja-JP" altLang="en-US" smtClean="0"/>
-              <a:t>2019/1/1</a:t>
+              <a:t>2019/1/31</a:t>
             </a:fld>
             <a:endParaRPr kumimoji="1" lang="ja-JP" altLang="en-US"/>
           </a:p>
@@ -1205,7 +1205,7 @@
           <a:p>
             <a:fld id="{1AD62548-1627-7B4E-A2EB-583A3232CEA4}" type="datetimeFigureOut">
               <a:rPr kumimoji="1" lang="ja-JP" altLang="en-US" smtClean="0"/>
-              <a:t>2019/1/1</a:t>
+              <a:t>2019/1/31</a:t>
             </a:fld>
             <a:endParaRPr kumimoji="1" lang="ja-JP" altLang="en-US"/>
           </a:p>
@@ -1484,7 +1484,7 @@
           <a:p>
             <a:fld id="{1AD62548-1627-7B4E-A2EB-583A3232CEA4}" type="datetimeFigureOut">
               <a:rPr kumimoji="1" lang="ja-JP" altLang="en-US" smtClean="0"/>
-              <a:t>2019/1/1</a:t>
+              <a:t>2019/1/31</a:t>
             </a:fld>
             <a:endParaRPr kumimoji="1" lang="ja-JP" altLang="en-US"/>
           </a:p>
@@ -1980,7 +1980,7 @@
           <a:p>
             <a:fld id="{1AD62548-1627-7B4E-A2EB-583A3232CEA4}" type="datetimeFigureOut">
               <a:rPr kumimoji="1" lang="ja-JP" altLang="en-US" smtClean="0"/>
-              <a:t>2019/1/1</a:t>
+              <a:t>2019/1/31</a:t>
             </a:fld>
             <a:endParaRPr kumimoji="1" lang="ja-JP" altLang="en-US"/>
           </a:p>
@@ -2121,7 +2121,7 @@
           <a:p>
             <a:fld id="{1AD62548-1627-7B4E-A2EB-583A3232CEA4}" type="datetimeFigureOut">
               <a:rPr kumimoji="1" lang="ja-JP" altLang="en-US" smtClean="0"/>
-              <a:t>2019/1/1</a:t>
+              <a:t>2019/1/31</a:t>
             </a:fld>
             <a:endParaRPr kumimoji="1" lang="ja-JP" altLang="en-US"/>
           </a:p>
@@ -2234,7 +2234,7 @@
           <a:p>
             <a:fld id="{1AD62548-1627-7B4E-A2EB-583A3232CEA4}" type="datetimeFigureOut">
               <a:rPr kumimoji="1" lang="ja-JP" altLang="en-US" smtClean="0"/>
-              <a:t>2019/1/1</a:t>
+              <a:t>2019/1/31</a:t>
             </a:fld>
             <a:endParaRPr kumimoji="1" lang="ja-JP" altLang="en-US"/>
           </a:p>
@@ -2587,7 +2587,7 @@
           <a:p>
             <a:fld id="{1AD62548-1627-7B4E-A2EB-583A3232CEA4}" type="datetimeFigureOut">
               <a:rPr kumimoji="1" lang="ja-JP" altLang="en-US" smtClean="0"/>
-              <a:t>2019/1/1</a:t>
+              <a:t>2019/1/31</a:t>
             </a:fld>
             <a:endParaRPr kumimoji="1" lang="ja-JP" altLang="en-US"/>
           </a:p>
@@ -2910,7 +2910,7 @@
           <a:p>
             <a:fld id="{1AD62548-1627-7B4E-A2EB-583A3232CEA4}" type="datetimeFigureOut">
               <a:rPr kumimoji="1" lang="ja-JP" altLang="en-US" smtClean="0"/>
-              <a:t>2019/1/1</a:t>
+              <a:t>2019/1/31</a:t>
             </a:fld>
             <a:endParaRPr kumimoji="1" lang="ja-JP" altLang="en-US"/>
           </a:p>
@@ -3158,7 +3158,7 @@
           <a:p>
             <a:fld id="{1AD62548-1627-7B4E-A2EB-583A3232CEA4}" type="datetimeFigureOut">
               <a:rPr kumimoji="1" lang="ja-JP" altLang="en-US" smtClean="0"/>
-              <a:t>2019/1/1</a:t>
+              <a:t>2019/1/31</a:t>
             </a:fld>
             <a:endParaRPr kumimoji="1" lang="ja-JP" altLang="en-US"/>
           </a:p>
@@ -3597,7 +3597,37 @@
         </p:blipFill>
         <p:spPr>
           <a:xfrm>
-            <a:off x="3631933" y="1622135"/>
+            <a:off x="5860783" y="1622134"/>
+            <a:ext cx="4928133" cy="3613729"/>
+          </a:xfrm>
+          <a:prstGeom prst="rect">
+            <a:avLst/>
+          </a:prstGeom>
+        </p:spPr>
+      </p:pic>
+      <p:pic>
+        <p:nvPicPr>
+          <p:cNvPr id="2" name="図 1">
+            <a:extLst>
+              <a:ext uri="{FF2B5EF4-FFF2-40B4-BE49-F238E27FC236}">
+                <a16:creationId xmlns:a16="http://schemas.microsoft.com/office/drawing/2014/main" id="{A40D94CB-AADD-4CFC-94D5-BC98D16C7F7F}"/>
+              </a:ext>
+            </a:extLst>
+          </p:cNvPr>
+          <p:cNvPicPr>
+            <a:picLocks noChangeAspect="1"/>
+          </p:cNvPicPr>
+          <p:nvPr/>
+        </p:nvPicPr>
+        <p:blipFill>
+          <a:blip r:embed="rId3"/>
+          <a:stretch>
+            <a:fillRect/>
+          </a:stretch>
+        </p:blipFill>
+        <p:spPr>
+          <a:xfrm>
+            <a:off x="220225" y="1622135"/>
             <a:ext cx="4928133" cy="3613729"/>
           </a:xfrm>
           <a:prstGeom prst="rect">
